--- a/Contest/ICPC2021沈阳/sol.pptx
+++ b/Contest/ICPC2021沈阳/sol.pptx
@@ -131,6 +131,130 @@
     </p:ext>
   </p:extLst>
 </p:presentation>
+</file>
+
+<file path=ppt/revisionInfo.xml><?xml version="1.0" encoding="utf-8"?>
+<p1510:revInfo xmlns:a="http://schemas.openxmlformats.org/drawingml/2006/main" xmlns:r="http://schemas.openxmlformats.org/officeDocument/2006/relationships" xmlns:p1510="http://schemas.microsoft.com/office/powerpoint/2015/10/main">
+  <p1510:revLst>
+    <p1510:client id="{1B872EB3-51FB-401C-9517-913699DF9CE6}" v="2" dt="2022-06-28T15:44:01.330"/>
+  </p1510:revLst>
+</p1510:revInfo>
+</file>
+
+<file path=ppt/changesInfos/changesInfo1.xml><?xml version="1.0" encoding="utf-8"?>
+<pc:chgInfo xmlns:a="http://schemas.openxmlformats.org/drawingml/2006/main" xmlns:r="http://schemas.openxmlformats.org/officeDocument/2006/relationships" xmlns:ac="http://schemas.microsoft.com/office/drawing/2013/main/command" xmlns:pc="http://schemas.microsoft.com/office/powerpoint/2013/main/command">
+  <pc:docChgLst>
+    <pc:chgData name="Spaceless ‏‍‌‏‌﻿‏" userId="63f0fc91d7588cd1" providerId="LiveId" clId="{1B872EB3-51FB-401C-9517-913699DF9CE6}"/>
+    <pc:docChg chg="custSel modSld">
+      <pc:chgData name="Spaceless ‏‍‌‏‌﻿‏" userId="63f0fc91d7588cd1" providerId="LiveId" clId="{1B872EB3-51FB-401C-9517-913699DF9CE6}" dt="2022-06-28T15:44:03.955" v="10" actId="9405"/>
+      <pc:docMkLst>
+        <pc:docMk/>
+      </pc:docMkLst>
+      <pc:sldChg chg="modSp mod">
+        <pc:chgData name="Spaceless ‏‍‌‏‌﻿‏" userId="63f0fc91d7588cd1" providerId="LiveId" clId="{1B872EB3-51FB-401C-9517-913699DF9CE6}" dt="2022-06-28T15:44:00.408" v="7" actId="27636"/>
+        <pc:sldMkLst>
+          <pc:docMk/>
+          <pc:sldMk cId="0" sldId="258"/>
+        </pc:sldMkLst>
+        <pc:spChg chg="mod">
+          <ac:chgData name="Spaceless ‏‍‌‏‌﻿‏" userId="63f0fc91d7588cd1" providerId="LiveId" clId="{1B872EB3-51FB-401C-9517-913699DF9CE6}" dt="2022-06-28T15:44:00.408" v="7" actId="27636"/>
+          <ac:spMkLst>
+            <pc:docMk/>
+            <pc:sldMk cId="0" sldId="258"/>
+            <ac:spMk id="2" creationId="{00000000-0000-0000-0000-000000000000}"/>
+          </ac:spMkLst>
+        </pc:spChg>
+      </pc:sldChg>
+      <pc:sldChg chg="addSp delSp modSp mod">
+        <pc:chgData name="Spaceless ‏‍‌‏‌﻿‏" userId="63f0fc91d7588cd1" providerId="LiveId" clId="{1B872EB3-51FB-401C-9517-913699DF9CE6}" dt="2022-06-28T15:44:03.955" v="10" actId="9405"/>
+        <pc:sldMkLst>
+          <pc:docMk/>
+          <pc:sldMk cId="0" sldId="274"/>
+        </pc:sldMkLst>
+        <pc:grpChg chg="del mod">
+          <ac:chgData name="Spaceless ‏‍‌‏‌﻿‏" userId="63f0fc91d7588cd1" providerId="LiveId" clId="{1B872EB3-51FB-401C-9517-913699DF9CE6}" dt="2022-06-28T15:44:01.299" v="9"/>
+          <ac:grpSpMkLst>
+            <pc:docMk/>
+            <pc:sldMk cId="0" sldId="274"/>
+            <ac:grpSpMk id="9" creationId="{D19B97B5-DFFC-7AA7-D500-6399E054C45E}"/>
+          </ac:grpSpMkLst>
+        </pc:grpChg>
+        <pc:grpChg chg="mod">
+          <ac:chgData name="Spaceless ‏‍‌‏‌﻿‏" userId="63f0fc91d7588cd1" providerId="LiveId" clId="{1B872EB3-51FB-401C-9517-913699DF9CE6}" dt="2022-06-28T15:44:01.299" v="9"/>
+          <ac:grpSpMkLst>
+            <pc:docMk/>
+            <pc:sldMk cId="0" sldId="274"/>
+            <ac:grpSpMk id="12" creationId="{E30E1EF2-7751-1AC1-CD6E-0FADCAE2A2F8}"/>
+          </ac:grpSpMkLst>
+        </pc:grpChg>
+        <pc:inkChg chg="add mod">
+          <ac:chgData name="Spaceless ‏‍‌‏‌﻿‏" userId="63f0fc91d7588cd1" providerId="LiveId" clId="{1B872EB3-51FB-401C-9517-913699DF9CE6}" dt="2022-06-28T15:44:01.299" v="9"/>
+          <ac:inkMkLst>
+            <pc:docMk/>
+            <pc:sldMk cId="0" sldId="274"/>
+            <ac:inkMk id="4" creationId="{25193E7A-83DC-9B6F-E648-B348B828E276}"/>
+          </ac:inkMkLst>
+        </pc:inkChg>
+        <pc:inkChg chg="add mod">
+          <ac:chgData name="Spaceless ‏‍‌‏‌﻿‏" userId="63f0fc91d7588cd1" providerId="LiveId" clId="{1B872EB3-51FB-401C-9517-913699DF9CE6}" dt="2022-06-28T15:44:01.299" v="9"/>
+          <ac:inkMkLst>
+            <pc:docMk/>
+            <pc:sldMk cId="0" sldId="274"/>
+            <ac:inkMk id="5" creationId="{AC7DCCD7-CD67-68EB-C846-1FE4B46FE9CF}"/>
+          </ac:inkMkLst>
+        </pc:inkChg>
+        <pc:inkChg chg="add mod">
+          <ac:chgData name="Spaceless ‏‍‌‏‌﻿‏" userId="63f0fc91d7588cd1" providerId="LiveId" clId="{1B872EB3-51FB-401C-9517-913699DF9CE6}" dt="2022-06-28T15:44:01.299" v="9"/>
+          <ac:inkMkLst>
+            <pc:docMk/>
+            <pc:sldMk cId="0" sldId="274"/>
+            <ac:inkMk id="6" creationId="{C157F93F-F73C-1F3A-20F7-4876EF49D852}"/>
+          </ac:inkMkLst>
+        </pc:inkChg>
+        <pc:inkChg chg="add mod">
+          <ac:chgData name="Spaceless ‏‍‌‏‌﻿‏" userId="63f0fc91d7588cd1" providerId="LiveId" clId="{1B872EB3-51FB-401C-9517-913699DF9CE6}" dt="2022-06-28T15:44:01.299" v="9"/>
+          <ac:inkMkLst>
+            <pc:docMk/>
+            <pc:sldMk cId="0" sldId="274"/>
+            <ac:inkMk id="7" creationId="{5E4FE2E9-ADB0-DB1A-6BA5-E8601018797A}"/>
+          </ac:inkMkLst>
+        </pc:inkChg>
+        <pc:inkChg chg="add mod">
+          <ac:chgData name="Spaceless ‏‍‌‏‌﻿‏" userId="63f0fc91d7588cd1" providerId="LiveId" clId="{1B872EB3-51FB-401C-9517-913699DF9CE6}" dt="2022-06-28T15:44:01.299" v="9"/>
+          <ac:inkMkLst>
+            <pc:docMk/>
+            <pc:sldMk cId="0" sldId="274"/>
+            <ac:inkMk id="8" creationId="{8A1E7FAA-D384-2186-0448-48DD6FF8A023}"/>
+          </ac:inkMkLst>
+        </pc:inkChg>
+        <pc:inkChg chg="add mod">
+          <ac:chgData name="Spaceless ‏‍‌‏‌﻿‏" userId="63f0fc91d7588cd1" providerId="LiveId" clId="{1B872EB3-51FB-401C-9517-913699DF9CE6}" dt="2022-06-28T15:44:01.299" v="9"/>
+          <ac:inkMkLst>
+            <pc:docMk/>
+            <pc:sldMk cId="0" sldId="274"/>
+            <ac:inkMk id="10" creationId="{D0C60945-CA7F-EE35-C080-4B994A2C7D23}"/>
+          </ac:inkMkLst>
+        </pc:inkChg>
+        <pc:inkChg chg="add mod">
+          <ac:chgData name="Spaceless ‏‍‌‏‌﻿‏" userId="63f0fc91d7588cd1" providerId="LiveId" clId="{1B872EB3-51FB-401C-9517-913699DF9CE6}" dt="2022-06-28T15:44:01.299" v="9"/>
+          <ac:inkMkLst>
+            <pc:docMk/>
+            <pc:sldMk cId="0" sldId="274"/>
+            <ac:inkMk id="11" creationId="{1E4046FC-6C1D-B1E3-4A37-237E893EA89A}"/>
+          </ac:inkMkLst>
+        </pc:inkChg>
+        <pc:inkChg chg="add">
+          <ac:chgData name="Spaceless ‏‍‌‏‌﻿‏" userId="63f0fc91d7588cd1" providerId="LiveId" clId="{1B872EB3-51FB-401C-9517-913699DF9CE6}" dt="2022-06-28T15:44:03.955" v="10" actId="9405"/>
+          <ac:inkMkLst>
+            <pc:docMk/>
+            <pc:sldMk cId="0" sldId="274"/>
+            <ac:inkMk id="13" creationId="{1C93B1EA-2606-17B4-5F51-38AC6B958651}"/>
+          </ac:inkMkLst>
+        </pc:inkChg>
+      </pc:sldChg>
+    </pc:docChg>
+  </pc:docChgLst>
+</pc:chgInfo>
 </file>
 
 <file path=ppt/charts/chart1.xml><?xml version="1.0" encoding="utf-8"?>
@@ -852,6 +976,254 @@
 </cs:chartStyle>
 </file>
 
+<file path=ppt/ink/ink1.xml><?xml version="1.0" encoding="utf-8"?>
+<inkml:ink xmlns:inkml="http://www.w3.org/2003/InkML">
+  <inkml:definitions>
+    <inkml:context xml:id="ctx0">
+      <inkml:inkSource xml:id="inkSrc0">
+        <inkml:traceFormat>
+          <inkml:channel name="X" type="integer" min="-2.14748E9" max="2.14748E9" units="cm"/>
+          <inkml:channel name="Y" type="integer" min="-2.14748E9" max="2.14748E9" units="cm"/>
+          <inkml:channel name="F" type="integer" max="32767" units="dev"/>
+          <inkml:channel name="OA" type="integer" max="360" units="deg"/>
+          <inkml:channel name="OE" type="integer" max="90" units="deg"/>
+        </inkml:traceFormat>
+        <inkml:channelProperties>
+          <inkml:channelProperty channel="X" name="resolution" value="1000" units="1/cm"/>
+          <inkml:channelProperty channel="Y" name="resolution" value="1000" units="1/cm"/>
+          <inkml:channelProperty channel="F" name="resolution" value="0" units="1/dev"/>
+          <inkml:channelProperty channel="OA" name="resolution" value="1000" units="1/deg"/>
+          <inkml:channelProperty channel="OE" name="resolution" value="1000" units="1/deg"/>
+        </inkml:channelProperties>
+      </inkml:inkSource>
+      <inkml:timestamp xml:id="ts0" timeString="2022-06-28T15:43:57.331"/>
+    </inkml:context>
+    <inkml:brush xml:id="br0">
+      <inkml:brushProperty name="width" value="0.05" units="cm"/>
+      <inkml:brushProperty name="height" value="0.05" units="cm"/>
+    </inkml:brush>
+  </inkml:definitions>
+  <inkml:trace contextRef="#ctx0" brushRef="#br0">28 1 18575 0 0,'-2'1'94'0'0,"0"0"0"0"0,0 0 0 0 0,0 0 0 0 0,1 1-1 0 0,-1-1 1 0 0,0 1 0 0 0,1-1 0 0 0,-1 1 0 0 0,1 0 0 0 0,0-1 0 0 0,-1 1-1 0 0,1 0 1 0 0,0 0 0 0 0,0 0 0 0 0,0 0 0 0 0,0 0 0 0 0,1 0 0 0 0,-1 0-1 0 0,0 3 1 0 0,1-1-66 0 0,-1 0 0 0 0,1 0-1 0 0,0 0 1 0 0,1 0-1 0 0,-1 0 1 0 0,1 0 0 0 0,0 0-1 0 0,0-1 1 0 0,0 1 0 0 0,2 4-1 0 0,3 5-59 0 0,0-1 0 0 0,1 0 0 0 0,0 0 0 0 0,1 0 0 0 0,11 11 1 0 0,4 4-48 0 0,2-2 1 0 0,0-1-1 0 0,2 0 1 0 0,0-2-1 0 0,46 27 1 0 0,-30-25 62 0 0,0-1 1 0 0,2-3 0 0 0,64 21-1 0 0,-31-18 101 0 0,105 16 0 0 0,78-5 138 0 0,433-14 261 0 0,-219-14-440 0 0,-325 3-237 0 0,171 31-1 0 0,-275-31 110 0 0,0 1-1 0 0,-1 3 1 0 0,0 1 0 0 0,-1 2 0 0 0,0 3 0 0 0,42 24 0 0 0,-77-38 74 0 0,0 1 1 0 0,-1 0 0 0 0,1 0 0 0 0,-1 1 0 0 0,0 0 0 0 0,-1 1 0 0 0,0 0 0 0 0,0 0 0 0 0,-1 0 0 0 0,0 1 0 0 0,0 0 0 0 0,-1 0 0 0 0,0 0 0 0 0,-1 1 0 0 0,0 0 0 0 0,0 0 0 0 0,-1 0 0 0 0,-1 0-1 0 0,1 0 1 0 0,-2 1 0 0 0,1-1 0 0 0,-2 1 0 0 0,0 19 0 0 0,-2 14 9 0 0,-3 0 0 0 0,-11 53 0 0 0,-30 84-1 0 0,-1 1 17 0 0,41-155 13 0 0,2 0 0 0 0,1 0 0 0 0,1 1 0 0 0,1-1 1 0 0,3 30-1 0 0,-1-44-20 0 0,1 0 0 0 0,0-1 0 0 0,1 1 1 0 0,1 0-1 0 0,0-1 0 0 0,1 0 0 0 0,0 0 0 0 0,0 0 1 0 0,1-1-1 0 0,1 0 0 0 0,0 0 0 0 0,15 17 1 0 0,-11-16 12 0 0,1 0 1 0 0,1-1-1 0 0,-1-1 1 0 0,2 0-1 0 0,0 0 1 0 0,0-2-1 0 0,0 0 1 0 0,1 0-1 0 0,0-1 1 0 0,1-1-1 0 0,0-1 1 0 0,0 0-1 0 0,0-1 1 0 0,0-1 0 0 0,0 0-1 0 0,1-1 1 0 0,0-1-1 0 0,-1 0 1 0 0,20-3-1 0 0,18-4 35 0 0,1-2-1 0 0,101-31 1 0 0,100-51-7 0 0,-38 11-18 0 0,159-30-349 0 0,-313 94 176 0 0,1 4 1 0 0,1 2-1 0 0,76 0 1 0 0,-53 9-49 0 0,159 22 0 0 0,-213-17 169 0 0,-1 2 0 0 0,0 2 0 0 0,53 20 1 0 0,-66-20 10 0 0,0 1 1 0 0,-1 1-1 0 0,-1 0 1 0 0,0 2-1 0 0,0 0 1 0 0,25 24-1 0 0,-38-32-63 0 0,-2 0 0 0 0,1 1 0 0 0,0 0 0 0 0,-1 0 0 0 0,0 0 0 0 0,-1 0 0 0 0,4 8 0 0 0,-6-12 34 0 0,0 0 0 0 0,0 0 0 0 0,0 0 0 0 0,-1 1 1 0 0,1-1-1 0 0,-1 0 0 0 0,1 0 0 0 0,-1 1 0 0 0,0-1 1 0 0,0 0-1 0 0,0 1 0 0 0,0-1 0 0 0,0 0 0 0 0,0 0 1 0 0,-1 1-1 0 0,1-1 0 0 0,-1 0 0 0 0,0 0 0 0 0,1 0 1 0 0,-1 1-1 0 0,0-1 0 0 0,0 0 0 0 0,-1 0 0 0 0,1 0 1 0 0,0-1-1 0 0,-2 3 0 0 0,-9 6-861 0 0</inkml:trace>
+</inkml:ink>
+</file>
+
+<file path=ppt/ink/ink2.xml><?xml version="1.0" encoding="utf-8"?>
+<inkml:ink xmlns:inkml="http://www.w3.org/2003/InkML">
+  <inkml:definitions>
+    <inkml:context xml:id="ctx0">
+      <inkml:inkSource xml:id="inkSrc0">
+        <inkml:traceFormat>
+          <inkml:channel name="X" type="integer" min="-2.14748E9" max="2.14748E9" units="cm"/>
+          <inkml:channel name="Y" type="integer" min="-2.14748E9" max="2.14748E9" units="cm"/>
+          <inkml:channel name="F" type="integer" max="32767" units="dev"/>
+          <inkml:channel name="OA" type="integer" max="360" units="deg"/>
+          <inkml:channel name="OE" type="integer" max="90" units="deg"/>
+        </inkml:traceFormat>
+        <inkml:channelProperties>
+          <inkml:channelProperty channel="X" name="resolution" value="1000" units="1/cm"/>
+          <inkml:channelProperty channel="Y" name="resolution" value="1000" units="1/cm"/>
+          <inkml:channelProperty channel="F" name="resolution" value="0" units="1/dev"/>
+          <inkml:channelProperty channel="OA" name="resolution" value="1000" units="1/deg"/>
+          <inkml:channelProperty channel="OE" name="resolution" value="1000" units="1/deg"/>
+        </inkml:channelProperties>
+      </inkml:inkSource>
+      <inkml:timestamp xml:id="ts0" timeString="2022-06-28T15:43:58.486"/>
+    </inkml:context>
+    <inkml:brush xml:id="br0">
+      <inkml:brushProperty name="width" value="0.05" units="cm"/>
+      <inkml:brushProperty name="height" value="0.05" units="cm"/>
+    </inkml:brush>
+  </inkml:definitions>
+  <inkml:trace contextRef="#ctx0" brushRef="#br0">184 1 21191 0 0,'-6'3'301'0'0,"-17"10"187"0"0,1 0 0 0 0,0 2 0 0 0,-28 24 1 0 0,44-33-650 0 0,1 0 1 0 0,-1 0 0 0 0,1 0-1 0 0,0 0 1 0 0,1 1 0 0 0,0 0-1 0 0,0 0 1 0 0,0 0 0 0 0,1 0-1 0 0,0 0 1 0 0,0 1 0 0 0,1 0-1 0 0,0-1 1 0 0,1 1 0 0 0,-2 13-1 0 0,3-11 43 0 0,0 1 0 0 0,1-1 0 0 0,1 0 0 0 0,0 0 0 0 0,0 0-1 0 0,0 0 1 0 0,2 0 0 0 0,-1 0 0 0 0,1-1 0 0 0,0 1 0 0 0,1-1 0 0 0,0 0-1 0 0,1 0 1 0 0,10 11 0 0 0,-1-1-97 0 0,1-1 0 0 0,1-1-1 0 0,1 0 1 0 0,0-2 0 0 0,26 17-1 0 0,-12-12 223 0 0,1-1 1 0 0,1-2-1 0 0,69 25 0 0 0,117 22 37 0 0,-122-38-37 0 0,399 94-31 0 0,3-21-28 0 0,182 39-5 0 0,-513-94 55 0 0,-124-30-43 0 0,76 35-1 0 0,-98-37 13 0 0,-1 0 1 0 0,0 2-1 0 0,-1 0 1 0 0,34 30-1 0 0,-42-31 6 0 0,-1 0 0 0 0,0 1-1 0 0,-1 0 1 0 0,0 1 0 0 0,-1 0 0 0 0,-1 1 0 0 0,13 26 0 0 0,-12-15 20 0 0,-2-1 1 0 0,0 1-1 0 0,-2 1 1 0 0,-1-1-1 0 0,-1 1 1 0 0,-1 0-1 0 0,-1 0 1 0 0,-5 52-1 0 0,-7 10 345 0 0,-30 124-1 0 0,9-62 68 0 0,25-114-317 0 0,-4 13 30 0 0,2 0 1 0 0,2 1-1 0 0,2 55 0 0 0,5-96-94 0 0,0 1 0 0 0,1-1 0 0 0,0 0 0 0 0,1 0-1 0 0,0 0 1 0 0,1 0 0 0 0,0-1 0 0 0,0 1 0 0 0,1-1 0 0 0,7 10-1 0 0,-3-7 10 0 0,0-1-1 0 0,1 0 0 0 0,1 0 1 0 0,0-1-1 0 0,1 0 1 0 0,18 13-1 0 0,-4-6 22 0 0,1-1 0 0 0,39 17 0 0 0,57 20 15 0 0,-111-49-69 0 0,98 35 22 0 0,2-5-1 0 0,155 28 0 0 0,53 9-21 0 0,-115-24 0 0 0,618 167 22 0 0,-781-202-188 0 0,0 1 0 0 0,-1 2 0 0 0,58 33 0 0 0,-77-36-32 0 0,0 0 0 0 0,-1 2 0 0 0,-1 1-1 0 0,-1 1 1 0 0,0 0 0 0 0,-1 1 0 0 0,24 31-1 0 0,-18-14 11 0 0,-10-15 134 0 0,0-1-1 0 0,28 30 1 0 0,-37-44 100 0 0,0-1 1 0 0,0 1 0 0 0,1-1 0 0 0,-1 0-1 0 0,1-1 1 0 0,0 1 0 0 0,0-1 0 0 0,0 0-1 0 0,1-1 1 0 0,-1 1 0 0 0,1-1-1 0 0,0-1 1 0 0,13 3 0 0 0,12-3 117 0 0,0-1-1 0 0,0-1 1 0 0,0-2 0 0 0,0-2 0 0 0,41-10 0 0 0,154-56 304 0 0,-139 40-409 0 0,-1-4 0 0 0,-2-4 0 0 0,-2-3 0 0 0,131-90 1 0 0,-78 36-45 0 0,204-159 56 0 0,-286 205-39 0 0,57-68 0 0 0,37-64-50 0 0,-118 143 11 0 0,-14 19 23 0 0,-2 0-1 0 0,0-1 1 0 0,14-28 0 0 0,-24 39-299 0 0,0 0 0 0 0,0-1 0 0 0,4-20 0 0 0,-7 23-455 0 0,0 1 1 0 0,-1-1-1 0 0,1 1 1 0 0,-2-1-1 0 0,1 1 1 0 0,-3-13-1 0 0,-5-11-5017 0 0</inkml:trace>
+</inkml:ink>
+</file>
+
+<file path=ppt/ink/ink3.xml><?xml version="1.0" encoding="utf-8"?>
+<inkml:ink xmlns:inkml="http://www.w3.org/2003/InkML">
+  <inkml:definitions>
+    <inkml:context xml:id="ctx0">
+      <inkml:inkSource xml:id="inkSrc0">
+        <inkml:traceFormat>
+          <inkml:channel name="X" type="integer" min="-2.14748E9" max="2.14748E9" units="cm"/>
+          <inkml:channel name="Y" type="integer" min="-2.14748E9" max="2.14748E9" units="cm"/>
+          <inkml:channel name="F" type="integer" max="32767" units="dev"/>
+          <inkml:channel name="OA" type="integer" max="360" units="deg"/>
+          <inkml:channel name="OE" type="integer" max="90" units="deg"/>
+        </inkml:traceFormat>
+        <inkml:channelProperties>
+          <inkml:channelProperty channel="X" name="resolution" value="1000" units="1/cm"/>
+          <inkml:channelProperty channel="Y" name="resolution" value="1000" units="1/cm"/>
+          <inkml:channelProperty channel="F" name="resolution" value="0" units="1/dev"/>
+          <inkml:channelProperty channel="OA" name="resolution" value="1000" units="1/deg"/>
+          <inkml:channelProperty channel="OE" name="resolution" value="1000" units="1/deg"/>
+        </inkml:channelProperties>
+      </inkml:inkSource>
+      <inkml:timestamp xml:id="ts0" timeString="2022-06-28T15:43:58.861"/>
+    </inkml:context>
+    <inkml:brush xml:id="br0">
+      <inkml:brushProperty name="width" value="0.05" units="cm"/>
+      <inkml:brushProperty name="height" value="0.05" units="cm"/>
+    </inkml:brush>
+  </inkml:definitions>
+  <inkml:trace contextRef="#ctx0" brushRef="#br0">155 0 20735 0 0,'-14'2'382'0'0,"0"1"-1"0"0,1 1 1 0 0,-24 9 0 0 0,33-11-337 0 0,0 0 0 0 0,-1 0 0 0 0,1 1 0 0 0,1-1 0 0 0,-1 1 0 0 0,0 0 0 0 0,1 0 0 0 0,-1 1 1 0 0,1-1-1 0 0,0 1 0 0 0,0 0 0 0 0,0-1 0 0 0,1 1 0 0 0,-1 0 0 0 0,-1 6 0 0 0,-1 3-101 0 0,1-1-1 0 0,1 1 1 0 0,0 0-1 0 0,1 0 1 0 0,0 0-1 0 0,1 0 1 0 0,1 16-1 0 0,1 12-780 0 0,8 42 0 0 0,3-15 196 0 0,3 0 1 0 0,2-1 0 0 0,4-1 0 0 0,40 88 0 0 0,142 242 630 0 0,-110-225-63 0 0,198 334 357 0 0,238 264 252 0 0,-275-438-271 0 0,-41-55-61 0 0,-146-186-152 0 0,183 237 105 0 0,-161-218-106 0 0,149 192 74 0 0,67 125-109 0 0,-293-410-15 0 0,421 596 9 0 0,-303-411 26 0 0,386 606 148 0 0,-328-514-401 0 0,284 337-1 0 0,-382-528-903 0 0,-3-12-346 0 0</inkml:trace>
+</inkml:ink>
+</file>
+
+<file path=ppt/ink/ink4.xml><?xml version="1.0" encoding="utf-8"?>
+<inkml:ink xmlns:inkml="http://www.w3.org/2003/InkML">
+  <inkml:definitions>
+    <inkml:context xml:id="ctx0">
+      <inkml:inkSource xml:id="inkSrc0">
+        <inkml:traceFormat>
+          <inkml:channel name="X" type="integer" min="-2.14748E9" max="2.14748E9" units="cm"/>
+          <inkml:channel name="Y" type="integer" min="-2.14748E9" max="2.14748E9" units="cm"/>
+          <inkml:channel name="F" type="integer" max="32767" units="dev"/>
+          <inkml:channel name="OA" type="integer" max="360" units="deg"/>
+          <inkml:channel name="OE" type="integer" max="90" units="deg"/>
+        </inkml:traceFormat>
+        <inkml:channelProperties>
+          <inkml:channelProperty channel="X" name="resolution" value="1000" units="1/cm"/>
+          <inkml:channelProperty channel="Y" name="resolution" value="1000" units="1/cm"/>
+          <inkml:channelProperty channel="F" name="resolution" value="0" units="1/dev"/>
+          <inkml:channelProperty channel="OA" name="resolution" value="1000" units="1/deg"/>
+          <inkml:channelProperty channel="OE" name="resolution" value="1000" units="1/deg"/>
+        </inkml:channelProperties>
+      </inkml:inkSource>
+      <inkml:timestamp xml:id="ts0" timeString="2022-06-28T15:43:59.236"/>
+    </inkml:context>
+    <inkml:brush xml:id="br0">
+      <inkml:brushProperty name="width" value="0.05" units="cm"/>
+      <inkml:brushProperty name="height" value="0.05" units="cm"/>
+    </inkml:brush>
+  </inkml:definitions>
+  <inkml:trace contextRef="#ctx0" brushRef="#br0">8148 18 25343 0 0,'-6'-3'234'0'0,"-1"0"0"0"0,0 0-1 0 0,0 1 1 0 0,0 0 0 0 0,0 1-1 0 0,0-1 1 0 0,0 1 0 0 0,-1 1 0 0 0,1-1-1 0 0,-9 2 1 0 0,5 0-190 0 0,-1 0-1 0 0,1 2 1 0 0,0-1 0 0 0,0 1-1 0 0,-20 9 1 0 0,-2 4-574 0 0,1 2 1 0 0,1 2-1 0 0,-31 24 1 0 0,41-28 310 0 0,-248 170-2333 0 0,-30 22 2023 0 0,-1242 970 341 0 0,874-659 360 0 0,-41 34-58 0 0,282-219-72 0 0,-839 565 11 0 0,1148-826-53 0 0,-233 153 0 0 0,299-192 0 0 0,-535 349 0 0 0,465-310-5 0 0,-349 220-226 0 0,430-266 168 0 0,-417 275-1118 0 0,162-102-1069 0 0,161-96 292 0 0</inkml:trace>
+</inkml:ink>
+</file>
+
+<file path=ppt/ink/ink5.xml><?xml version="1.0" encoding="utf-8"?>
+<inkml:ink xmlns:inkml="http://www.w3.org/2003/InkML">
+  <inkml:definitions>
+    <inkml:context xml:id="ctx0">
+      <inkml:inkSource xml:id="inkSrc0">
+        <inkml:traceFormat>
+          <inkml:channel name="X" type="integer" min="-2.14748E9" max="2.14748E9" units="cm"/>
+          <inkml:channel name="Y" type="integer" min="-2.14748E9" max="2.14748E9" units="cm"/>
+          <inkml:channel name="F" type="integer" max="32767" units="dev"/>
+          <inkml:channel name="OA" type="integer" max="360" units="deg"/>
+          <inkml:channel name="OE" type="integer" max="90" units="deg"/>
+        </inkml:traceFormat>
+        <inkml:channelProperties>
+          <inkml:channelProperty channel="X" name="resolution" value="1000" units="1/cm"/>
+          <inkml:channelProperty channel="Y" name="resolution" value="1000" units="1/cm"/>
+          <inkml:channelProperty channel="F" name="resolution" value="0" units="1/dev"/>
+          <inkml:channelProperty channel="OA" name="resolution" value="1000" units="1/deg"/>
+          <inkml:channelProperty channel="OE" name="resolution" value="1000" units="1/deg"/>
+        </inkml:channelProperties>
+      </inkml:inkSource>
+      <inkml:timestamp xml:id="ts0" timeString="2022-06-28T15:43:59.580"/>
+    </inkml:context>
+    <inkml:brush xml:id="br0">
+      <inkml:brushProperty name="width" value="0.05" units="cm"/>
+      <inkml:brushProperty name="height" value="0.05" units="cm"/>
+    </inkml:brush>
+  </inkml:definitions>
+  <inkml:trace contextRef="#ctx0" brushRef="#br0">180 3727 18887 0 0,'-90'-247'1935'0'0,"68"175"-1908"0"0,-21-113-1 0 0,31 87-381 0 0,3 0 1 0 0,5-1-1 0 0,13-147 0 0 0,5 119-72 0 0,5 1 0 0 0,44-154 0 0 0,-35 191 427 0 0,3 1 0 0 0,73-144 0 0 0,118-142 0 0 0,-162 288 17 0 0,3 1 0 0 0,3 4 0 0 0,5 3 0 0 0,101-89 1 0 0,-59 73 14 0 0,3 6 1 0 0,4 5-1 0 0,181-94 1 0 0,-149 102-15 0 0,4 6 1 0 0,263-77-1 0 0,-268 107-124 0 0,2 6 0 0 0,233-18 1 0 0,312 38-209 0 0,330 124 133 0 0,-13 85 561 0 0,-542-98-67 0 0,72 9 14 0 0,361 73 198 0 0,-8 19-138 0 0,305 126-56 0 0,273 192-1057 0 0,-1133-388-294 0 0,-11 1-292 0 0</inkml:trace>
+</inkml:ink>
+</file>
+
+<file path=ppt/ink/ink6.xml><?xml version="1.0" encoding="utf-8"?>
+<inkml:ink xmlns:inkml="http://www.w3.org/2003/InkML">
+  <inkml:definitions>
+    <inkml:context xml:id="ctx0">
+      <inkml:inkSource xml:id="inkSrc0">
+        <inkml:traceFormat>
+          <inkml:channel name="X" type="integer" min="-2.14748E9" max="2.14748E9" units="cm"/>
+          <inkml:channel name="Y" type="integer" min="-2.14748E9" max="2.14748E9" units="cm"/>
+          <inkml:channel name="F" type="integer" max="32767" units="dev"/>
+          <inkml:channel name="OA" type="integer" max="360" units="deg"/>
+          <inkml:channel name="OE" type="integer" max="90" units="deg"/>
+        </inkml:traceFormat>
+        <inkml:channelProperties>
+          <inkml:channelProperty channel="X" name="resolution" value="1000" units="1/cm"/>
+          <inkml:channelProperty channel="Y" name="resolution" value="1000" units="1/cm"/>
+          <inkml:channelProperty channel="F" name="resolution" value="0" units="1/dev"/>
+          <inkml:channelProperty channel="OA" name="resolution" value="1000" units="1/deg"/>
+          <inkml:channelProperty channel="OE" name="resolution" value="1000" units="1/deg"/>
+        </inkml:channelProperties>
+      </inkml:inkSource>
+      <inkml:timestamp xml:id="ts0" timeString="2022-06-28T15:44:00.333"/>
+    </inkml:context>
+    <inkml:brush xml:id="br0">
+      <inkml:brushProperty name="width" value="0.05" units="cm"/>
+      <inkml:brushProperty name="height" value="0.05" units="cm"/>
+    </inkml:brush>
+  </inkml:definitions>
+  <inkml:trace contextRef="#ctx0" brushRef="#br0">5144 24 17503 0 0,'-32'-7'164'0'0,"-1"1"0"0"0,0 1-1 0 0,0 2 1 0 0,-1 1 0 0 0,1 2 0 0 0,-35 3-1 0 0,-15 8 216 0 0,-96 23 0 0 0,-137 59-527 0 0,12 25-160 0 0,25-9 60 0 0,-513 196-574 0 0,-799 331 614 0 0,1577-630 191 0 0,-502 180-27 0 0,-9-23-1633 0 0,247-90-99 0 0</inkml:trace>
+</inkml:ink>
+</file>
+
+<file path=ppt/ink/ink7.xml><?xml version="1.0" encoding="utf-8"?>
+<inkml:ink xmlns:inkml="http://www.w3.org/2003/InkML">
+  <inkml:definitions>
+    <inkml:context xml:id="ctx0">
+      <inkml:inkSource xml:id="inkSrc0">
+        <inkml:traceFormat>
+          <inkml:channel name="X" type="integer" min="-2.14748E9" max="2.14748E9" units="cm"/>
+          <inkml:channel name="Y" type="integer" min="-2.14748E9" max="2.14748E9" units="cm"/>
+          <inkml:channel name="F" type="integer" max="32767" units="dev"/>
+          <inkml:channel name="OA" type="integer" max="360" units="deg"/>
+          <inkml:channel name="OE" type="integer" max="90" units="deg"/>
+        </inkml:traceFormat>
+        <inkml:channelProperties>
+          <inkml:channelProperty channel="X" name="resolution" value="1000" units="1/cm"/>
+          <inkml:channelProperty channel="Y" name="resolution" value="1000" units="1/cm"/>
+          <inkml:channelProperty channel="F" name="resolution" value="0" units="1/dev"/>
+          <inkml:channelProperty channel="OA" name="resolution" value="1000" units="1/deg"/>
+          <inkml:channelProperty channel="OE" name="resolution" value="1000" units="1/deg"/>
+        </inkml:channelProperties>
+      </inkml:inkSource>
+      <inkml:timestamp xml:id="ts0" timeString="2022-06-28T15:44:00.705"/>
+    </inkml:context>
+    <inkml:brush xml:id="br0">
+      <inkml:brushProperty name="width" value="0.05" units="cm"/>
+      <inkml:brushProperty name="height" value="0.05" units="cm"/>
+    </inkml:brush>
+  </inkml:definitions>
+  <inkml:trace contextRef="#ctx0" brushRef="#br0">77 878 20735 0 0,'-7'-9'414'0'0,"-5"-4"189"0"0,0-2 1 0 0,-16-27 0 0 0,25 37-645 0 0,1 1 0 0 0,-1-1 1 0 0,1 1-1 0 0,1-1 1 0 0,-1 0-1 0 0,1 0 0 0 0,0 0 1 0 0,0 0-1 0 0,0 0 0 0 0,0 0 1 0 0,1 0-1 0 0,0 0 1 0 0,0 0-1 0 0,1-1 0 0 0,0-5 1 0 0,4-3-283 0 0,0-1-1 0 0,0 1 1 0 0,1 0 0 0 0,1 1 0 0 0,1-1 0 0 0,12-17-1 0 0,62-70-669 0 0,-78 96 974 0 0,38-42-622 0 0,82-72-1 0 0,-92 94 368 0 0,0 1 0 0 0,1 2-1 0 0,68-34 1 0 0,44-7 33 0 0,22-10-268 0 0,-96 40 131 0 0,1 2-6 0 0</inkml:trace>
+</inkml:ink>
+</file>
+
+<file path=ppt/ink/ink8.xml><?xml version="1.0" encoding="utf-8"?>
+<inkml:ink xmlns:inkml="http://www.w3.org/2003/InkML">
+  <inkml:definitions>
+    <inkml:context xml:id="ctx0">
+      <inkml:inkSource xml:id="inkSrc0">
+        <inkml:traceFormat>
+          <inkml:channel name="X" type="integer" min="-2.14748E9" max="2.14748E9" units="cm"/>
+          <inkml:channel name="Y" type="integer" min="-2.14748E9" max="2.14748E9" units="cm"/>
+          <inkml:channel name="F" type="integer" max="32767" units="dev"/>
+          <inkml:channel name="OA" type="integer" max="360" units="deg"/>
+          <inkml:channel name="OE" type="integer" max="90" units="deg"/>
+        </inkml:traceFormat>
+        <inkml:channelProperties>
+          <inkml:channelProperty channel="X" name="resolution" value="1000" units="1/cm"/>
+          <inkml:channelProperty channel="Y" name="resolution" value="1000" units="1/cm"/>
+          <inkml:channelProperty channel="F" name="resolution" value="0" units="1/dev"/>
+          <inkml:channelProperty channel="OA" name="resolution" value="1000" units="1/deg"/>
+          <inkml:channelProperty channel="OE" name="resolution" value="1000" units="1/deg"/>
+        </inkml:channelProperties>
+      </inkml:inkSource>
+      <inkml:timestamp xml:id="ts0" timeString="2022-06-28T15:44:03.955"/>
+    </inkml:context>
+    <inkml:brush xml:id="br0">
+      <inkml:brushProperty name="width" value="0.05" units="cm"/>
+      <inkml:brushProperty name="height" value="0.05" units="cm"/>
+    </inkml:brush>
+  </inkml:definitions>
+  <inkml:trace contextRef="#ctx0" brushRef="#br0">308 1240 17047 0 0,'-2'-1'1311'0'0,"-20"-7"-624"0"0,-95-32-6401 0 0,91 38 8286 0 0,51 9 3432 0 0,-32-19-5619 0 0,0 1 0 0 0,-1 0 1 0 0,0 0-1 0 0,0 1 0 0 0,-1 0 0 0 0,-11-9 0 0 0,6 5-48 0 0,0-1 0 0 0,-13-18 0 0 0,-12-31 1083 0 0,38 63-1216 0 0,-2-10 736 0 0,3 11-913 0 0,0-1 1 0 0,0 1 0 0 0,0 0-1 0 0,0-1 1 0 0,-1 1-1 0 0,1 0 1 0 0,0-1 0 0 0,0 1-1 0 0,0-1 1 0 0,0 1-1 0 0,0 0 1 0 0,0-1 0 0 0,0 1-1 0 0,0 0 1 0 0,0-1 0 0 0,1 1-1 0 0,-1-1 1 0 0,0 1-1 0 0,0 0 1 0 0,0-1 0 0 0,0 1-1 0 0,0 0 1 0 0,1-1-1 0 0,-1 1 1 0 0,0 0 0 0 0,0-1-1 0 0,0 1 1 0 0,1 0-1 0 0,-1 0 1 0 0,0-1 0 0 0,1 1-1 0 0,-1 0 1 0 0,1-1-1 0 0,1 1-15 0 0,-1 0-1 0 0,1 0 1 0 0,0 0-1 0 0,0 0 0 0 0,0 0 1 0 0,0 1-1 0 0,-1-1 1 0 0,1 1-1 0 0,0-1 1 0 0,2 2-1 0 0,37 9 66 0 0,168 44-13 0 0,-147-40-64 0 0,94 8 0 0 0,-110-17 0 0 0,429 73 0 0 0,-204-25-23 0 0,132 33-18 0 0,-203-34 13 0 0,189 59-69 0 0,-162-40 61 0 0,101 36-3 0 0,-224-64 14 0 0,20 7-25 0 0,-84-34-96 0 0,-28-13 107 0 0,0-1 1 0 0,21 3 0 0 0,0 0 6 0 0,282 56 171 0 0,-276-55-9 0 0,-23-4-119 0 0,5 8-11 0 0,-14-8 0 0 0,29 21 0 0 0,11 10 0 0 0,-13-7-28 0 0,-22-14-25 0 0,-2-2-479 0 0,-17-11-1608 0 0,-32-16-971 0 0,32 13 3519 0 0,-66-26-1611 0 0,39 17 1148 0 0,-50-27 0 0 0,69 27 1561 0 0,8 7-1436 0 0,-9 12-69 0 0,11-4 3 0 0,0 1 0 0 0,0 0 0 0 0,0 0 0 0 0,0 0 0 0 0,1 1 0 0 0,-1 0 0 0 0,-3 4 0 0 0,-4 9 12 0 0,-12 26 0 0 0,19-36-4 0 0,4-7 240 0 0,7 1-214 0 0,1-2-1 0 0,0 1 1 0 0,-1-1-1 0 0,1 0 1 0 0,0 0-1 0 0,-1-1 1 0 0,1 0-1 0 0,7-1 1 0 0,53-18 422 0 0,-49 14-263 0 0,19-7 446 0 0,-19 6-255 0 0,0 1 1 0 0,27-6 0 0 0,-24 8-219 0 0,0-1 0 0 0,-1-1 0 0 0,0-1 1 0 0,0-1-1 0 0,-1-1 0 0 0,0 0 0 0 0,0-2 0 0 0,-1 0 0 0 0,17-14 0 0 0,84-56 598 0 0,-67 48-333 0 0,94-80 0 0 0,56-67 169 0 0,-138 129-481 0 0,92-55-1 0 0,-111 79-56 0 0,-1-1 0 0 0,-2-2 0 0 0,-1-2 1 0 0,46-47-1 0 0,28-54 157 0 0,35-35 71 0 0,37 3-69 0 0,19-17-13 0 0,-153 130-173 0 0,76-54 0 0 0,-103 86-29 0 0,2 2 0 0 0,1 1 0 0 0,0 1 1 0 0,1 2-1 0 0,40-14 0 0 0,198-50-3 0 0,-247 72-3 0 0,36-8 14 0 0,1 3 0 0 0,104-7 0 0 0,118 21 92 0 0,-233 1-106 0 0,-1 2-1 0 0,65 17 1 0 0,-89-18-4 0 0,-1 2 0 0 0,0 1-1 0 0,-1 0 1 0 0,0 2 0 0 0,0 0 0 0 0,-1 1-1 0 0,23 18 1 0 0,-21-10 0 0 0,-17-16 0 0 0,12 15 0 0 0,-8-6 0 0 0,0 0 0 0 0,22 38 0 0 0,-5-11 0 0 0,-4 1 0 0 0,-2 0 0 0 0,25 77 0 0 0,-27-70 0 0 0,-12-35 0 0 0,-1 1 0 0 0,-1 0 0 0 0,1 0 0 0 0,-2 0 0 0 0,0 0 0 0 0,-1 0 0 0 0,0 0 0 0 0,-1 0 0 0 0,0 1 0 0 0,-1-1 0 0 0,0 0 0 0 0,-6 22 0 0 0,-7 5 0 0 0,-1-1 0 0 0,-1-1 0 0 0,-42 69 0 0 0,30-58 0 0 0,-28 70 0 0 0,43-81 0 0 0,1 0 0 0 0,2 1 0 0 0,2 0 0 0 0,-4 51 0 0 0,3 160 0 0 0,8-192 0 0 0,1-20-56 0 0,-2 1 0 0 0,-2-1 0 0 0,-15 67 0 0 0,15-88 28 0 0,-1-1 1 0 0,-1 0-1 0 0,-1 0 1 0 0,0 0-1 0 0,-1-1 1 0 0,-1 0-1 0 0,0-1 1 0 0,-1 0-1 0 0,-1 0 1 0 0,-23 23-1 0 0,14-20-28 0 0,-1 0 1 0 0,0-2-1 0 0,0-1 0 0 0,-2 0 0 0 0,-31 13 0 0 0,8-7-57 0 0,-88 24 0 0 0,88-33 50 0 0,0-2 0 0 0,0-2 0 0 0,-1-2 0 0 0,-47-1-1 0 0,25-6-40 0 0,1-2 0 0 0,-77-16-1 0 0,-134-47-150 0 0,9-18 115 0 0,46 6-28 0 0,-388-196 0 0 0,484 206 112 0 0,-317-159-280 0 0,319 165 100 0 0,-172-116 0 0 0,58 29 114 0 0,92 59 124 0 0,90 55-15 0 0,-2 1 0 0 0,-1 4 1 0 0,-2 2-1 0 0,-112-35 0 0 0,99 45-7 0 0,-1 3 1 0 0,-104-9-1 0 0,117 22-14 0 0,-78 5 1 0 0,5 13-12 0 0,67-3-214 0 0,-86 28-1 0 0,125-30 129 0 0,1 1 1 0 0,0 2 0 0 0,1 1 0 0 0,0 2-1 0 0,-31 21 1 0 0,19-7-201 0 0,-66 65 1 0 0,87-74 230 0 0,0 1 0 0 0,2 0 0 0 0,0 1 0 0 0,-23 42 0 0 0,33-49 59 0 0,1 0 0 0 0,0 1 1 0 0,1 0-1 0 0,1-1 0 0 0,1 2 1 0 0,0-1-1 0 0,2 0 0 0 0,-2 29 1 0 0,4-21-15 0 0,1-1 0 0 0,1 1 0 0 0,2-1 1 0 0,0 0-1 0 0,13 40 0 0 0,7 6-151 0 0,4-2 1 0 0,2 0-1 0 0,3-3 0 0 0,3 0 0 0 0,3-2 1 0 0,2-2-1 0 0,3-2 0 0 0,3-2 1 0 0,104 99-1 0 0,-28-52-492 0 0,259 168 1 0 0,173 39-387 0 0,-95-101 594 0 0,12-23 120 0 0,-251-102 210 0 0,808 301-1636 0 0,-659-256-4876 0 0</inkml:trace>
+</inkml:ink>
+</file>
+
 <file path=ppt/notesMasters/notesMaster1.xml><?xml version="1.0" encoding="utf-8"?>
 <p:notesMaster xmlns:a="http://schemas.openxmlformats.org/drawingml/2006/main" xmlns:r="http://schemas.openxmlformats.org/officeDocument/2006/relationships" xmlns:p="http://schemas.openxmlformats.org/presentationml/2006/main">
   <p:cSld>
@@ -934,7 +1306,7 @@
           <a:p>
             <a:fld id="{D2A48B96-639E-45A3-A0BA-2464DFDB1FAA}" type="datetimeFigureOut">
               <a:rPr lang="zh-CN" altLang="en-US" smtClean="0"/>
-              <a:t>2021/11/22</a:t>
+              <a:t>2022/6/28</a:t>
             </a:fld>
             <a:endParaRPr lang="zh-CN" altLang="en-US"/>
           </a:p>
@@ -1437,7 +1809,7 @@
           <a:p>
             <a:fld id="{D997B5FA-0921-464F-AAE1-844C04324D75}" type="datetimeFigureOut">
               <a:rPr lang="zh-CN" altLang="en-US" smtClean="0"/>
-              <a:t>2021/11/22</a:t>
+              <a:t>2022/6/28</a:t>
             </a:fld>
             <a:endParaRPr lang="zh-CN" altLang="en-US"/>
           </a:p>
@@ -1600,7 +1972,7 @@
           <a:p>
             <a:fld id="{D997B5FA-0921-464F-AAE1-844C04324D75}" type="datetimeFigureOut">
               <a:rPr lang="zh-CN" altLang="en-US" smtClean="0"/>
-              <a:t>2021/11/22</a:t>
+              <a:t>2022/6/28</a:t>
             </a:fld>
             <a:endParaRPr lang="zh-CN" altLang="en-US"/>
           </a:p>
@@ -1773,7 +2145,7 @@
           <a:p>
             <a:fld id="{D997B5FA-0921-464F-AAE1-844C04324D75}" type="datetimeFigureOut">
               <a:rPr lang="zh-CN" altLang="en-US" smtClean="0"/>
-              <a:t>2021/11/22</a:t>
+              <a:t>2022/6/28</a:t>
             </a:fld>
             <a:endParaRPr lang="zh-CN" altLang="en-US"/>
           </a:p>
@@ -1936,7 +2308,7 @@
           <a:p>
             <a:fld id="{D997B5FA-0921-464F-AAE1-844C04324D75}" type="datetimeFigureOut">
               <a:rPr lang="zh-CN" altLang="en-US" smtClean="0"/>
-              <a:t>2021/11/22</a:t>
+              <a:t>2022/6/28</a:t>
             </a:fld>
             <a:endParaRPr lang="zh-CN" altLang="en-US"/>
           </a:p>
@@ -2176,7 +2548,7 @@
           <a:p>
             <a:fld id="{D997B5FA-0921-464F-AAE1-844C04324D75}" type="datetimeFigureOut">
               <a:rPr lang="zh-CN" altLang="en-US" smtClean="0"/>
-              <a:t>2021/11/22</a:t>
+              <a:t>2022/6/28</a:t>
             </a:fld>
             <a:endParaRPr lang="zh-CN" altLang="en-US"/>
           </a:p>
@@ -2400,7 +2772,7 @@
           <a:p>
             <a:fld id="{D997B5FA-0921-464F-AAE1-844C04324D75}" type="datetimeFigureOut">
               <a:rPr lang="zh-CN" altLang="en-US" smtClean="0"/>
-              <a:t>2021/11/22</a:t>
+              <a:t>2022/6/28</a:t>
             </a:fld>
             <a:endParaRPr lang="zh-CN" altLang="en-US"/>
           </a:p>
@@ -2759,7 +3131,7 @@
           <a:p>
             <a:fld id="{D997B5FA-0921-464F-AAE1-844C04324D75}" type="datetimeFigureOut">
               <a:rPr lang="zh-CN" altLang="en-US" smtClean="0"/>
-              <a:t>2021/11/22</a:t>
+              <a:t>2022/6/28</a:t>
             </a:fld>
             <a:endParaRPr lang="zh-CN" altLang="en-US"/>
           </a:p>
@@ -2871,7 +3243,7 @@
           <a:p>
             <a:fld id="{D997B5FA-0921-464F-AAE1-844C04324D75}" type="datetimeFigureOut">
               <a:rPr lang="zh-CN" altLang="en-US" smtClean="0"/>
-              <a:t>2021/11/22</a:t>
+              <a:t>2022/6/28</a:t>
             </a:fld>
             <a:endParaRPr lang="zh-CN" altLang="en-US"/>
           </a:p>
@@ -2961,7 +3333,7 @@
           <a:p>
             <a:fld id="{D997B5FA-0921-464F-AAE1-844C04324D75}" type="datetimeFigureOut">
               <a:rPr lang="zh-CN" altLang="en-US" smtClean="0"/>
-              <a:t>2021/11/22</a:t>
+              <a:t>2022/6/28</a:t>
             </a:fld>
             <a:endParaRPr lang="zh-CN" altLang="en-US"/>
           </a:p>
@@ -3231,7 +3603,7 @@
           <a:p>
             <a:fld id="{D997B5FA-0921-464F-AAE1-844C04324D75}" type="datetimeFigureOut">
               <a:rPr lang="zh-CN" altLang="en-US" smtClean="0"/>
-              <a:t>2021/11/22</a:t>
+              <a:t>2022/6/28</a:t>
             </a:fld>
             <a:endParaRPr lang="zh-CN" altLang="en-US"/>
           </a:p>
@@ -3478,7 +3850,7 @@
           <a:p>
             <a:fld id="{D997B5FA-0921-464F-AAE1-844C04324D75}" type="datetimeFigureOut">
               <a:rPr lang="zh-CN" altLang="en-US" smtClean="0"/>
-              <a:t>2021/11/22</a:t>
+              <a:t>2022/6/28</a:t>
             </a:fld>
             <a:endParaRPr lang="zh-CN" altLang="en-US"/>
           </a:p>
@@ -3684,7 +4056,7 @@
           <a:p>
             <a:fld id="{D997B5FA-0921-464F-AAE1-844C04324D75}" type="datetimeFigureOut">
               <a:rPr lang="zh-CN" altLang="en-US" smtClean="0"/>
-              <a:t>2021/11/22</a:t>
+              <a:t>2022/6/28</a:t>
             </a:fld>
             <a:endParaRPr lang="zh-CN" altLang="en-US"/>
           </a:p>
@@ -4657,7 +5029,7 @@
         <p:spPr/>
         <p:txBody>
           <a:bodyPr>
-            <a:normAutofit fontScale="90000"/>
+            <a:normAutofit/>
           </a:bodyPr>
           <a:lstStyle/>
           <a:p>
@@ -8332,6 +8704,435 @@
           </p:sp>
         </mc:Fallback>
       </mc:AlternateContent>
+      <p:grpSp>
+        <p:nvGrpSpPr>
+          <p:cNvPr id="12" name="组合 11">
+            <a:extLst>
+              <a:ext uri="{FF2B5EF4-FFF2-40B4-BE49-F238E27FC236}">
+                <a16:creationId xmlns:a16="http://schemas.microsoft.com/office/drawing/2014/main" id="{E30E1EF2-7751-1AC1-CD6E-0FADCAE2A2F8}"/>
+              </a:ext>
+            </a:extLst>
+          </p:cNvPr>
+          <p:cNvGrpSpPr/>
+          <p:nvPr/>
+        </p:nvGrpSpPr>
+        <p:grpSpPr>
+          <a:xfrm>
+            <a:off x="5304086" y="2344817"/>
+            <a:ext cx="5142240" cy="3833280"/>
+            <a:chOff x="5304086" y="2344817"/>
+            <a:chExt cx="5142240" cy="3833280"/>
+          </a:xfrm>
+        </p:grpSpPr>
+        <mc:AlternateContent xmlns:mc="http://schemas.openxmlformats.org/markup-compatibility/2006">
+          <mc:Choice xmlns:p14="http://schemas.microsoft.com/office/powerpoint/2010/main" Requires="p14">
+            <p:contentPart p14:bwMode="auto" r:id="rId4">
+              <p14:nvContentPartPr>
+                <p14:cNvPr id="4" name="墨迹 3">
+                  <a:extLst>
+                    <a:ext uri="{FF2B5EF4-FFF2-40B4-BE49-F238E27FC236}">
+                      <a16:creationId xmlns:a16="http://schemas.microsoft.com/office/drawing/2014/main" id="{25193E7A-83DC-9B6F-E648-B348B828E276}"/>
+                    </a:ext>
+                  </a:extLst>
+                </p14:cNvPr>
+                <p14:cNvContentPartPr/>
+                <p14:nvPr/>
+              </p14:nvContentPartPr>
+              <p14:xfrm>
+                <a:off x="6544646" y="2344817"/>
+                <a:ext cx="2012040" cy="723240"/>
+              </p14:xfrm>
+            </p:contentPart>
+          </mc:Choice>
+          <mc:Fallback>
+            <p:pic>
+              <p:nvPicPr>
+                <p:cNvPr id="4" name="墨迹 3">
+                  <a:extLst>
+                    <a:ext uri="{FF2B5EF4-FFF2-40B4-BE49-F238E27FC236}">
+                      <a16:creationId xmlns:a16="http://schemas.microsoft.com/office/drawing/2014/main" id="{25193E7A-83DC-9B6F-E648-B348B828E276}"/>
+                    </a:ext>
+                  </a:extLst>
+                </p:cNvPr>
+                <p:cNvPicPr/>
+                <p:nvPr/>
+              </p:nvPicPr>
+              <p:blipFill>
+                <a:blip r:embed="rId5"/>
+                <a:stretch>
+                  <a:fillRect/>
+                </a:stretch>
+              </p:blipFill>
+              <p:spPr>
+                <a:xfrm>
+                  <a:off x="6535646" y="2336177"/>
+                  <a:ext cx="2029680" cy="740880"/>
+                </a:xfrm>
+                <a:prstGeom prst="rect">
+                  <a:avLst/>
+                </a:prstGeom>
+              </p:spPr>
+            </p:pic>
+          </mc:Fallback>
+        </mc:AlternateContent>
+        <mc:AlternateContent xmlns:mc="http://schemas.openxmlformats.org/markup-compatibility/2006">
+          <mc:Choice xmlns:p14="http://schemas.microsoft.com/office/powerpoint/2010/main" Requires="p14">
+            <p:contentPart p14:bwMode="auto" r:id="rId6">
+              <p14:nvContentPartPr>
+                <p14:cNvPr id="5" name="墨迹 4">
+                  <a:extLst>
+                    <a:ext uri="{FF2B5EF4-FFF2-40B4-BE49-F238E27FC236}">
+                      <a16:creationId xmlns:a16="http://schemas.microsoft.com/office/drawing/2014/main" id="{AC7DCCD7-CD67-68EB-C846-1FE4B46FE9CF}"/>
+                    </a:ext>
+                  </a:extLst>
+                </p14:cNvPr>
+                <p14:cNvContentPartPr/>
+                <p14:nvPr/>
+              </p14:nvContentPartPr>
+              <p14:xfrm>
+                <a:off x="6037406" y="4336697"/>
+                <a:ext cx="2751480" cy="1322280"/>
+              </p14:xfrm>
+            </p:contentPart>
+          </mc:Choice>
+          <mc:Fallback>
+            <p:pic>
+              <p:nvPicPr>
+                <p:cNvPr id="5" name="墨迹 4">
+                  <a:extLst>
+                    <a:ext uri="{FF2B5EF4-FFF2-40B4-BE49-F238E27FC236}">
+                      <a16:creationId xmlns:a16="http://schemas.microsoft.com/office/drawing/2014/main" id="{AC7DCCD7-CD67-68EB-C846-1FE4B46FE9CF}"/>
+                    </a:ext>
+                  </a:extLst>
+                </p:cNvPr>
+                <p:cNvPicPr/>
+                <p:nvPr/>
+              </p:nvPicPr>
+              <p:blipFill>
+                <a:blip r:embed="rId7"/>
+                <a:stretch>
+                  <a:fillRect/>
+                </a:stretch>
+              </p:blipFill>
+              <p:spPr>
+                <a:xfrm>
+                  <a:off x="6028766" y="4328057"/>
+                  <a:ext cx="2769120" cy="1339920"/>
+                </a:xfrm>
+                <a:prstGeom prst="rect">
+                  <a:avLst/>
+                </a:prstGeom>
+              </p:spPr>
+            </p:pic>
+          </mc:Fallback>
+        </mc:AlternateContent>
+        <mc:AlternateContent xmlns:mc="http://schemas.openxmlformats.org/markup-compatibility/2006">
+          <mc:Choice xmlns:p14="http://schemas.microsoft.com/office/powerpoint/2010/main" Requires="p14">
+            <p:contentPart p14:bwMode="auto" r:id="rId8">
+              <p14:nvContentPartPr>
+                <p14:cNvPr id="6" name="墨迹 5">
+                  <a:extLst>
+                    <a:ext uri="{FF2B5EF4-FFF2-40B4-BE49-F238E27FC236}">
+                      <a16:creationId xmlns:a16="http://schemas.microsoft.com/office/drawing/2014/main" id="{C157F93F-F73C-1F3A-20F7-4876EF49D852}"/>
+                    </a:ext>
+                  </a:extLst>
+                </p14:cNvPr>
+                <p14:cNvContentPartPr/>
+                <p14:nvPr/>
+              </p14:nvContentPartPr>
+              <p14:xfrm>
+                <a:off x="7314686" y="3587177"/>
+                <a:ext cx="1655280" cy="2590920"/>
+              </p14:xfrm>
+            </p:contentPart>
+          </mc:Choice>
+          <mc:Fallback>
+            <p:pic>
+              <p:nvPicPr>
+                <p:cNvPr id="6" name="墨迹 5">
+                  <a:extLst>
+                    <a:ext uri="{FF2B5EF4-FFF2-40B4-BE49-F238E27FC236}">
+                      <a16:creationId xmlns:a16="http://schemas.microsoft.com/office/drawing/2014/main" id="{C157F93F-F73C-1F3A-20F7-4876EF49D852}"/>
+                    </a:ext>
+                  </a:extLst>
+                </p:cNvPr>
+                <p:cNvPicPr/>
+                <p:nvPr/>
+              </p:nvPicPr>
+              <p:blipFill>
+                <a:blip r:embed="rId9"/>
+                <a:stretch>
+                  <a:fillRect/>
+                </a:stretch>
+              </p:blipFill>
+              <p:spPr>
+                <a:xfrm>
+                  <a:off x="7306046" y="3578177"/>
+                  <a:ext cx="1672920" cy="2608560"/>
+                </a:xfrm>
+                <a:prstGeom prst="rect">
+                  <a:avLst/>
+                </a:prstGeom>
+              </p:spPr>
+            </p:pic>
+          </mc:Fallback>
+        </mc:AlternateContent>
+        <mc:AlternateContent xmlns:mc="http://schemas.openxmlformats.org/markup-compatibility/2006">
+          <mc:Choice xmlns:p14="http://schemas.microsoft.com/office/powerpoint/2010/main" Requires="p14">
+            <p:contentPart p14:bwMode="auto" r:id="rId10">
+              <p14:nvContentPartPr>
+                <p14:cNvPr id="7" name="墨迹 6">
+                  <a:extLst>
+                    <a:ext uri="{FF2B5EF4-FFF2-40B4-BE49-F238E27FC236}">
+                      <a16:creationId xmlns:a16="http://schemas.microsoft.com/office/drawing/2014/main" id="{5E4FE2E9-ADB0-DB1A-6BA5-E8601018797A}"/>
+                    </a:ext>
+                  </a:extLst>
+                </p14:cNvPr>
+                <p14:cNvContentPartPr/>
+                <p14:nvPr/>
+              </p14:nvContentPartPr>
+              <p14:xfrm>
+                <a:off x="6903566" y="3917297"/>
+                <a:ext cx="2933640" cy="2062800"/>
+              </p14:xfrm>
+            </p:contentPart>
+          </mc:Choice>
+          <mc:Fallback>
+            <p:pic>
+              <p:nvPicPr>
+                <p:cNvPr id="7" name="墨迹 6">
+                  <a:extLst>
+                    <a:ext uri="{FF2B5EF4-FFF2-40B4-BE49-F238E27FC236}">
+                      <a16:creationId xmlns:a16="http://schemas.microsoft.com/office/drawing/2014/main" id="{5E4FE2E9-ADB0-DB1A-6BA5-E8601018797A}"/>
+                    </a:ext>
+                  </a:extLst>
+                </p:cNvPr>
+                <p:cNvPicPr/>
+                <p:nvPr/>
+              </p:nvPicPr>
+              <p:blipFill>
+                <a:blip r:embed="rId11"/>
+                <a:stretch>
+                  <a:fillRect/>
+                </a:stretch>
+              </p:blipFill>
+              <p:spPr>
+                <a:xfrm>
+                  <a:off x="6894566" y="3908297"/>
+                  <a:ext cx="2951280" cy="2080440"/>
+                </a:xfrm>
+                <a:prstGeom prst="rect">
+                  <a:avLst/>
+                </a:prstGeom>
+              </p:spPr>
+            </p:pic>
+          </mc:Fallback>
+        </mc:AlternateContent>
+        <mc:AlternateContent xmlns:mc="http://schemas.openxmlformats.org/markup-compatibility/2006">
+          <mc:Choice xmlns:p14="http://schemas.microsoft.com/office/powerpoint/2010/main" Requires="p14">
+            <p:contentPart p14:bwMode="auto" r:id="rId12">
+              <p14:nvContentPartPr>
+                <p14:cNvPr id="8" name="墨迹 7">
+                  <a:extLst>
+                    <a:ext uri="{FF2B5EF4-FFF2-40B4-BE49-F238E27FC236}">
+                      <a16:creationId xmlns:a16="http://schemas.microsoft.com/office/drawing/2014/main" id="{8A1E7FAA-D384-2186-0448-48DD6FF8A023}"/>
+                    </a:ext>
+                  </a:extLst>
+                </p14:cNvPr>
+                <p14:cNvContentPartPr/>
+                <p14:nvPr/>
+              </p14:nvContentPartPr>
+              <p14:xfrm>
+                <a:off x="5366366" y="3887777"/>
+                <a:ext cx="4286520" cy="1341720"/>
+              </p14:xfrm>
+            </p:contentPart>
+          </mc:Choice>
+          <mc:Fallback>
+            <p:pic>
+              <p:nvPicPr>
+                <p:cNvPr id="8" name="墨迹 7">
+                  <a:extLst>
+                    <a:ext uri="{FF2B5EF4-FFF2-40B4-BE49-F238E27FC236}">
+                      <a16:creationId xmlns:a16="http://schemas.microsoft.com/office/drawing/2014/main" id="{8A1E7FAA-D384-2186-0448-48DD6FF8A023}"/>
+                    </a:ext>
+                  </a:extLst>
+                </p:cNvPr>
+                <p:cNvPicPr/>
+                <p:nvPr/>
+              </p:nvPicPr>
+              <p:blipFill>
+                <a:blip r:embed="rId13"/>
+                <a:stretch>
+                  <a:fillRect/>
+                </a:stretch>
+              </p:blipFill>
+              <p:spPr>
+                <a:xfrm>
+                  <a:off x="5357366" y="3879137"/>
+                  <a:ext cx="4304160" cy="1359360"/>
+                </a:xfrm>
+                <a:prstGeom prst="rect">
+                  <a:avLst/>
+                </a:prstGeom>
+              </p:spPr>
+            </p:pic>
+          </mc:Fallback>
+        </mc:AlternateContent>
+        <mc:AlternateContent xmlns:mc="http://schemas.openxmlformats.org/markup-compatibility/2006">
+          <mc:Choice xmlns:p14="http://schemas.microsoft.com/office/powerpoint/2010/main" Requires="p14">
+            <p:contentPart p14:bwMode="auto" r:id="rId14">
+              <p14:nvContentPartPr>
+                <p14:cNvPr id="10" name="墨迹 9">
+                  <a:extLst>
+                    <a:ext uri="{FF2B5EF4-FFF2-40B4-BE49-F238E27FC236}">
+                      <a16:creationId xmlns:a16="http://schemas.microsoft.com/office/drawing/2014/main" id="{D0C60945-CA7F-EE35-C080-4B994A2C7D23}"/>
+                    </a:ext>
+                  </a:extLst>
+                </p14:cNvPr>
+                <p14:cNvContentPartPr/>
+                <p14:nvPr/>
+              </p14:nvContentPartPr>
+              <p14:xfrm>
+                <a:off x="8594486" y="4775897"/>
+                <a:ext cx="1851840" cy="625680"/>
+              </p14:xfrm>
+            </p:contentPart>
+          </mc:Choice>
+          <mc:Fallback>
+            <p:pic>
+              <p:nvPicPr>
+                <p:cNvPr id="10" name="墨迹 9">
+                  <a:extLst>
+                    <a:ext uri="{FF2B5EF4-FFF2-40B4-BE49-F238E27FC236}">
+                      <a16:creationId xmlns:a16="http://schemas.microsoft.com/office/drawing/2014/main" id="{D0C60945-CA7F-EE35-C080-4B994A2C7D23}"/>
+                    </a:ext>
+                  </a:extLst>
+                </p:cNvPr>
+                <p:cNvPicPr/>
+                <p:nvPr/>
+              </p:nvPicPr>
+              <p:blipFill>
+                <a:blip r:embed="rId15"/>
+                <a:stretch>
+                  <a:fillRect/>
+                </a:stretch>
+              </p:blipFill>
+              <p:spPr>
+                <a:xfrm>
+                  <a:off x="8585846" y="4767257"/>
+                  <a:ext cx="1869480" cy="643320"/>
+                </a:xfrm>
+                <a:prstGeom prst="rect">
+                  <a:avLst/>
+                </a:prstGeom>
+              </p:spPr>
+            </p:pic>
+          </mc:Fallback>
+        </mc:AlternateContent>
+        <mc:AlternateContent xmlns:mc="http://schemas.openxmlformats.org/markup-compatibility/2006">
+          <mc:Choice xmlns:p14="http://schemas.microsoft.com/office/powerpoint/2010/main" Requires="p14">
+            <p:contentPart p14:bwMode="auto" r:id="rId16">
+              <p14:nvContentPartPr>
+                <p14:cNvPr id="11" name="墨迹 10">
+                  <a:extLst>
+                    <a:ext uri="{FF2B5EF4-FFF2-40B4-BE49-F238E27FC236}">
+                      <a16:creationId xmlns:a16="http://schemas.microsoft.com/office/drawing/2014/main" id="{1E4046FC-6C1D-B1E3-4A37-237E893EA89A}"/>
+                    </a:ext>
+                  </a:extLst>
+                </p14:cNvPr>
+                <p14:cNvContentPartPr/>
+                <p14:nvPr/>
+              </p14:nvContentPartPr>
+              <p14:xfrm>
+                <a:off x="5304086" y="5123297"/>
+                <a:ext cx="346680" cy="316080"/>
+              </p14:xfrm>
+            </p:contentPart>
+          </mc:Choice>
+          <mc:Fallback>
+            <p:pic>
+              <p:nvPicPr>
+                <p:cNvPr id="11" name="墨迹 10">
+                  <a:extLst>
+                    <a:ext uri="{FF2B5EF4-FFF2-40B4-BE49-F238E27FC236}">
+                      <a16:creationId xmlns:a16="http://schemas.microsoft.com/office/drawing/2014/main" id="{1E4046FC-6C1D-B1E3-4A37-237E893EA89A}"/>
+                    </a:ext>
+                  </a:extLst>
+                </p:cNvPr>
+                <p:cNvPicPr/>
+                <p:nvPr/>
+              </p:nvPicPr>
+              <p:blipFill>
+                <a:blip r:embed="rId17"/>
+                <a:stretch>
+                  <a:fillRect/>
+                </a:stretch>
+              </p:blipFill>
+              <p:spPr>
+                <a:xfrm>
+                  <a:off x="5295086" y="5114297"/>
+                  <a:ext cx="364320" cy="333720"/>
+                </a:xfrm>
+                <a:prstGeom prst="rect">
+                  <a:avLst/>
+                </a:prstGeom>
+              </p:spPr>
+            </p:pic>
+          </mc:Fallback>
+        </mc:AlternateContent>
+      </p:grpSp>
+      <mc:AlternateContent xmlns:mc="http://schemas.openxmlformats.org/markup-compatibility/2006">
+        <mc:Choice xmlns:p14="http://schemas.microsoft.com/office/powerpoint/2010/main" Requires="p14">
+          <p:contentPart p14:bwMode="auto" r:id="rId18">
+            <p14:nvContentPartPr>
+              <p14:cNvPr id="13" name="墨迹 12">
+                <a:extLst>
+                  <a:ext uri="{FF2B5EF4-FFF2-40B4-BE49-F238E27FC236}">
+                    <a16:creationId xmlns:a16="http://schemas.microsoft.com/office/drawing/2014/main" id="{1C93B1EA-2606-17B4-5F51-38AC6B958651}"/>
+                  </a:ext>
+                </a:extLst>
+              </p14:cNvPr>
+              <p14:cNvContentPartPr/>
+              <p14:nvPr/>
+            </p14:nvContentPartPr>
+            <p14:xfrm>
+              <a:off x="7407206" y="1281377"/>
+              <a:ext cx="2651760" cy="1415880"/>
+            </p14:xfrm>
+          </p:contentPart>
+        </mc:Choice>
+        <mc:Fallback>
+          <p:pic>
+            <p:nvPicPr>
+              <p:cNvPr id="13" name="墨迹 12">
+                <a:extLst>
+                  <a:ext uri="{FF2B5EF4-FFF2-40B4-BE49-F238E27FC236}">
+                    <a16:creationId xmlns:a16="http://schemas.microsoft.com/office/drawing/2014/main" id="{1C93B1EA-2606-17B4-5F51-38AC6B958651}"/>
+                  </a:ext>
+                </a:extLst>
+              </p:cNvPr>
+              <p:cNvPicPr/>
+              <p:nvPr/>
+            </p:nvPicPr>
+            <p:blipFill>
+              <a:blip r:embed="rId19"/>
+              <a:stretch>
+                <a:fillRect/>
+              </a:stretch>
+            </p:blipFill>
+            <p:spPr>
+              <a:xfrm>
+                <a:off x="7398206" y="1272737"/>
+                <a:ext cx="2669400" cy="1433520"/>
+              </a:xfrm>
+              <a:prstGeom prst="rect">
+                <a:avLst/>
+              </a:prstGeom>
+            </p:spPr>
+          </p:pic>
+        </mc:Fallback>
+      </mc:AlternateContent>
     </p:spTree>
     <p:custDataLst>
       <p:tags r:id="rId1"/>
